--- a/Common/Reports/Report.pptx
+++ b/Common/Reports/Report.pptx
@@ -5,7 +5,7 @@
     <p:sldMasterId id="2147483648" r:id="rId1"/>
   </p:sldMasterIdLst>
   <p:notesMasterIdLst>
-    <p:notesMasterId r:id="rId13"/>
+    <p:notesMasterId r:id="rId14"/>
   </p:notesMasterIdLst>
   <p:sldIdLst>
     <p:sldId id="758" r:id="rId2"/>
@@ -19,6 +19,7 @@
     <p:sldId id="969" r:id="rId10"/>
     <p:sldId id="970" r:id="rId11"/>
     <p:sldId id="971" r:id="rId12"/>
+    <p:sldId id="972" r:id="rId13"/>
   </p:sldIdLst>
   <p:sldSz cx="24377650" cy="13716000"/>
   <p:notesSz cx="6858000" cy="9144000"/>
@@ -266,7 +267,7 @@
             <a:fld id="{EFC10EE1-B198-C942-8235-326C972CBB30}" type="datetimeFigureOut">
               <a:rPr lang="en-US" smtClean="0"/>
               <a:pPr/>
-              <a:t>03/02/2017</a:t>
+              <a:t>3/3/2017</a:t>
             </a:fld>
             <a:endParaRPr lang="en-US" dirty="0"/>
           </a:p>
@@ -3017,6 +3018,892 @@
 </p:sld>
 </file>
 
+<file path=ppt/slides/slide12.xml><?xml version="1.0" encoding="utf-8"?>
+<p:sld xmlns:a="http://schemas.openxmlformats.org/drawingml/2006/main" xmlns:r="http://schemas.openxmlformats.org/officeDocument/2006/relationships" xmlns:p="http://schemas.openxmlformats.org/presentationml/2006/main">
+  <p:cSld>
+    <p:spTree>
+      <p:nvGrpSpPr>
+        <p:cNvPr id="1" name=""/>
+        <p:cNvGrpSpPr/>
+        <p:nvPr/>
+      </p:nvGrpSpPr>
+      <p:grpSpPr>
+        <a:xfrm>
+          <a:off x="0" y="0"/>
+          <a:ext cx="0" cy="0"/>
+          <a:chOff x="0" y="0"/>
+          <a:chExt cx="0" cy="0"/>
+        </a:xfrm>
+      </p:grpSpPr>
+      <p:sp>
+        <p:nvSpPr>
+          <p:cNvPr id="3" name="Oval 2"/>
+          <p:cNvSpPr/>
+          <p:nvPr/>
+        </p:nvSpPr>
+        <p:spPr>
+          <a:xfrm>
+            <a:off x="3053344" y="1017281"/>
+            <a:ext cx="2881745" cy="1884219"/>
+          </a:xfrm>
+          <a:prstGeom prst="ellipse">
+            <a:avLst/>
+          </a:prstGeom>
+          <a:solidFill>
+            <a:schemeClr val="accent1"/>
+          </a:solidFill>
+          <a:ln>
+            <a:noFill/>
+          </a:ln>
+        </p:spPr>
+        <p:style>
+          <a:lnRef idx="1">
+            <a:schemeClr val="accent1"/>
+          </a:lnRef>
+          <a:fillRef idx="3">
+            <a:schemeClr val="accent1"/>
+          </a:fillRef>
+          <a:effectRef idx="2">
+            <a:schemeClr val="accent1"/>
+          </a:effectRef>
+          <a:fontRef idx="minor">
+            <a:schemeClr val="lt1"/>
+          </a:fontRef>
+        </p:style>
+        <p:txBody>
+          <a:bodyPr rtlCol="0" anchor="ctr"/>
+          <a:lstStyle/>
+          <a:p>
+            <a:pPr algn="ctr"/>
+            <a:r>
+              <a:rPr lang="en-US" dirty="0" smtClean="0"/>
+              <a:t>Start</a:t>
+            </a:r>
+            <a:endParaRPr lang="en-US" dirty="0"/>
+          </a:p>
+        </p:txBody>
+      </p:sp>
+      <p:sp>
+        <p:nvSpPr>
+          <p:cNvPr id="4" name="Rectangle 3"/>
+          <p:cNvSpPr/>
+          <p:nvPr/>
+        </p:nvSpPr>
+        <p:spPr>
+          <a:xfrm>
+            <a:off x="163979" y="3885866"/>
+            <a:ext cx="8660476" cy="2534689"/>
+          </a:xfrm>
+          <a:prstGeom prst="rect">
+            <a:avLst/>
+          </a:prstGeom>
+          <a:solidFill>
+            <a:schemeClr val="accent1"/>
+          </a:solidFill>
+          <a:ln>
+            <a:noFill/>
+          </a:ln>
+        </p:spPr>
+        <p:style>
+          <a:lnRef idx="1">
+            <a:schemeClr val="accent1"/>
+          </a:lnRef>
+          <a:fillRef idx="3">
+            <a:schemeClr val="accent1"/>
+          </a:fillRef>
+          <a:effectRef idx="2">
+            <a:schemeClr val="accent1"/>
+          </a:effectRef>
+          <a:fontRef idx="minor">
+            <a:schemeClr val="lt1"/>
+          </a:fontRef>
+        </p:style>
+        <p:txBody>
+          <a:bodyPr rtlCol="0" anchor="ctr"/>
+          <a:lstStyle/>
+          <a:p>
+            <a:pPr algn="ctr"/>
+            <a:r>
+              <a:rPr lang="en-US" dirty="0" smtClean="0"/>
+              <a:t>Setup nRF24L01+, read data from HMC5883L multiple times to get stabilized data, setup RGB led</a:t>
+            </a:r>
+            <a:endParaRPr lang="en-US" dirty="0"/>
+          </a:p>
+        </p:txBody>
+      </p:sp>
+      <p:sp>
+        <p:nvSpPr>
+          <p:cNvPr id="6" name="Flowchart: Decision 5"/>
+          <p:cNvSpPr/>
+          <p:nvPr/>
+        </p:nvSpPr>
+        <p:spPr>
+          <a:xfrm>
+            <a:off x="1982388" y="7404920"/>
+            <a:ext cx="5023658" cy="1371600"/>
+          </a:xfrm>
+          <a:prstGeom prst="flowChartDecision">
+            <a:avLst/>
+          </a:prstGeom>
+          <a:solidFill>
+            <a:schemeClr val="accent1"/>
+          </a:solidFill>
+          <a:ln>
+            <a:noFill/>
+          </a:ln>
+        </p:spPr>
+        <p:style>
+          <a:lnRef idx="1">
+            <a:schemeClr val="accent1"/>
+          </a:lnRef>
+          <a:fillRef idx="3">
+            <a:schemeClr val="accent1"/>
+          </a:fillRef>
+          <a:effectRef idx="2">
+            <a:schemeClr val="accent1"/>
+          </a:effectRef>
+          <a:fontRef idx="minor">
+            <a:schemeClr val="lt1"/>
+          </a:fontRef>
+        </p:style>
+        <p:txBody>
+          <a:bodyPr rtlCol="0" anchor="ctr"/>
+          <a:lstStyle/>
+          <a:p>
+            <a:pPr algn="ctr"/>
+            <a:r>
+              <a:rPr lang="en-US" dirty="0" smtClean="0"/>
+              <a:t>Reserved?</a:t>
+            </a:r>
+            <a:endParaRPr lang="en-US" dirty="0"/>
+          </a:p>
+        </p:txBody>
+      </p:sp>
+      <p:sp>
+        <p:nvSpPr>
+          <p:cNvPr id="7" name="Parallelogram 6"/>
+          <p:cNvSpPr/>
+          <p:nvPr/>
+        </p:nvSpPr>
+        <p:spPr>
+          <a:xfrm>
+            <a:off x="2474916" y="9789286"/>
+            <a:ext cx="4038601" cy="1730433"/>
+          </a:xfrm>
+          <a:prstGeom prst="parallelogram">
+            <a:avLst/>
+          </a:prstGeom>
+          <a:solidFill>
+            <a:schemeClr val="accent1"/>
+          </a:solidFill>
+          <a:ln>
+            <a:noFill/>
+          </a:ln>
+        </p:spPr>
+        <p:style>
+          <a:lnRef idx="1">
+            <a:schemeClr val="accent1"/>
+          </a:lnRef>
+          <a:fillRef idx="3">
+            <a:schemeClr val="accent1"/>
+          </a:fillRef>
+          <a:effectRef idx="2">
+            <a:schemeClr val="accent1"/>
+          </a:effectRef>
+          <a:fontRef idx="minor">
+            <a:schemeClr val="lt1"/>
+          </a:fontRef>
+        </p:style>
+        <p:txBody>
+          <a:bodyPr rtlCol="0" anchor="ctr"/>
+          <a:lstStyle/>
+          <a:p>
+            <a:pPr algn="ctr"/>
+            <a:r>
+              <a:rPr lang="en-US" dirty="0" smtClean="0"/>
+              <a:t>Read data from nRF24L01+</a:t>
+            </a:r>
+            <a:endParaRPr lang="en-US" dirty="0"/>
+          </a:p>
+        </p:txBody>
+      </p:sp>
+      <p:sp>
+        <p:nvSpPr>
+          <p:cNvPr id="8" name="Parallelogram 7"/>
+          <p:cNvSpPr/>
+          <p:nvPr/>
+        </p:nvSpPr>
+        <p:spPr>
+          <a:xfrm>
+            <a:off x="8225245" y="7225502"/>
+            <a:ext cx="4038601" cy="1730433"/>
+          </a:xfrm>
+          <a:prstGeom prst="parallelogram">
+            <a:avLst/>
+          </a:prstGeom>
+          <a:solidFill>
+            <a:schemeClr val="accent1"/>
+          </a:solidFill>
+          <a:ln>
+            <a:noFill/>
+          </a:ln>
+        </p:spPr>
+        <p:style>
+          <a:lnRef idx="1">
+            <a:schemeClr val="accent1"/>
+          </a:lnRef>
+          <a:fillRef idx="3">
+            <a:schemeClr val="accent1"/>
+          </a:fillRef>
+          <a:effectRef idx="2">
+            <a:schemeClr val="accent1"/>
+          </a:effectRef>
+          <a:fontRef idx="minor">
+            <a:schemeClr val="lt1"/>
+          </a:fontRef>
+        </p:style>
+        <p:txBody>
+          <a:bodyPr rtlCol="0" anchor="ctr"/>
+          <a:lstStyle/>
+          <a:p>
+            <a:pPr algn="ctr"/>
+            <a:r>
+              <a:rPr lang="en-US" dirty="0" smtClean="0"/>
+              <a:t>Read data from HMC5883L</a:t>
+            </a:r>
+            <a:endParaRPr lang="en-US" dirty="0"/>
+          </a:p>
+        </p:txBody>
+      </p:sp>
+      <p:sp>
+        <p:nvSpPr>
+          <p:cNvPr id="9" name="Flowchart: Decision 8"/>
+          <p:cNvSpPr/>
+          <p:nvPr/>
+        </p:nvSpPr>
+        <p:spPr>
+          <a:xfrm>
+            <a:off x="13616741" y="6898533"/>
+            <a:ext cx="5023658" cy="2384367"/>
+          </a:xfrm>
+          <a:prstGeom prst="flowChartDecision">
+            <a:avLst/>
+          </a:prstGeom>
+          <a:solidFill>
+            <a:schemeClr val="accent1"/>
+          </a:solidFill>
+          <a:ln>
+            <a:noFill/>
+          </a:ln>
+        </p:spPr>
+        <p:style>
+          <a:lnRef idx="1">
+            <a:schemeClr val="accent1"/>
+          </a:lnRef>
+          <a:fillRef idx="3">
+            <a:schemeClr val="accent1"/>
+          </a:fillRef>
+          <a:effectRef idx="2">
+            <a:schemeClr val="accent1"/>
+          </a:effectRef>
+          <a:fontRef idx="minor">
+            <a:schemeClr val="lt1"/>
+          </a:fontRef>
+        </p:style>
+        <p:txBody>
+          <a:bodyPr rtlCol="0" anchor="ctr"/>
+          <a:lstStyle/>
+          <a:p>
+            <a:pPr algn="ctr"/>
+            <a:r>
+              <a:rPr lang="en-US" dirty="0" smtClean="0"/>
+              <a:t>Car in range? 1</a:t>
+            </a:r>
+            <a:r>
+              <a:rPr lang="en-US" baseline="30000" dirty="0" smtClean="0"/>
+              <a:t>st</a:t>
+            </a:r>
+            <a:r>
+              <a:rPr lang="en-US" dirty="0" smtClean="0"/>
+              <a:t> time</a:t>
+            </a:r>
+            <a:endParaRPr lang="en-US" dirty="0"/>
+          </a:p>
+        </p:txBody>
+      </p:sp>
+      <p:sp>
+        <p:nvSpPr>
+          <p:cNvPr id="10" name="Parallelogram 9"/>
+          <p:cNvSpPr/>
+          <p:nvPr/>
+        </p:nvSpPr>
+        <p:spPr>
+          <a:xfrm>
+            <a:off x="19682954" y="7225503"/>
+            <a:ext cx="4038601" cy="1730433"/>
+          </a:xfrm>
+          <a:prstGeom prst="parallelogram">
+            <a:avLst/>
+          </a:prstGeom>
+          <a:solidFill>
+            <a:schemeClr val="accent1"/>
+          </a:solidFill>
+          <a:ln>
+            <a:noFill/>
+          </a:ln>
+        </p:spPr>
+        <p:style>
+          <a:lnRef idx="1">
+            <a:schemeClr val="accent1"/>
+          </a:lnRef>
+          <a:fillRef idx="3">
+            <a:schemeClr val="accent1"/>
+          </a:fillRef>
+          <a:effectRef idx="2">
+            <a:schemeClr val="accent1"/>
+          </a:effectRef>
+          <a:fontRef idx="minor">
+            <a:schemeClr val="lt1"/>
+          </a:fontRef>
+        </p:style>
+        <p:txBody>
+          <a:bodyPr rtlCol="0" anchor="ctr"/>
+          <a:lstStyle/>
+          <a:p>
+            <a:pPr algn="ctr"/>
+            <a:r>
+              <a:rPr lang="en-US" dirty="0" smtClean="0"/>
+              <a:t>Change RGB LED to green</a:t>
+            </a:r>
+            <a:endParaRPr lang="en-US" dirty="0"/>
+          </a:p>
+        </p:txBody>
+      </p:sp>
+      <p:sp>
+        <p:nvSpPr>
+          <p:cNvPr id="11" name="Parallelogram 10"/>
+          <p:cNvSpPr/>
+          <p:nvPr/>
+        </p:nvSpPr>
+        <p:spPr>
+          <a:xfrm>
+            <a:off x="14109269" y="2036284"/>
+            <a:ext cx="4038601" cy="1730433"/>
+          </a:xfrm>
+          <a:prstGeom prst="parallelogram">
+            <a:avLst/>
+          </a:prstGeom>
+          <a:solidFill>
+            <a:schemeClr val="accent1"/>
+          </a:solidFill>
+          <a:ln>
+            <a:noFill/>
+          </a:ln>
+        </p:spPr>
+        <p:style>
+          <a:lnRef idx="1">
+            <a:schemeClr val="accent1"/>
+          </a:lnRef>
+          <a:fillRef idx="3">
+            <a:schemeClr val="accent1"/>
+          </a:fillRef>
+          <a:effectRef idx="2">
+            <a:schemeClr val="accent1"/>
+          </a:effectRef>
+          <a:fontRef idx="minor">
+            <a:schemeClr val="lt1"/>
+          </a:fontRef>
+        </p:style>
+        <p:txBody>
+          <a:bodyPr rtlCol="0" anchor="ctr"/>
+          <a:lstStyle/>
+          <a:p>
+            <a:pPr algn="ctr"/>
+            <a:r>
+              <a:rPr lang="en-US" dirty="0" smtClean="0"/>
+              <a:t>Change RGB LED to red</a:t>
+            </a:r>
+            <a:endParaRPr lang="en-US" dirty="0"/>
+          </a:p>
+        </p:txBody>
+      </p:sp>
+      <p:cxnSp>
+        <p:nvCxnSpPr>
+          <p:cNvPr id="13" name="Straight Arrow Connector 12"/>
+          <p:cNvCxnSpPr>
+            <a:stCxn id="3" idx="4"/>
+            <a:endCxn id="4" idx="0"/>
+          </p:cNvCxnSpPr>
+          <p:nvPr/>
+        </p:nvCxnSpPr>
+        <p:spPr>
+          <a:xfrm>
+            <a:off x="4494217" y="2901500"/>
+            <a:ext cx="0" cy="984366"/>
+          </a:xfrm>
+          <a:prstGeom prst="straightConnector1">
+            <a:avLst/>
+          </a:prstGeom>
+          <a:ln w="57150">
+            <a:headEnd type="none" w="med" len="med"/>
+            <a:tailEnd type="arrow" w="med" len="med"/>
+          </a:ln>
+        </p:spPr>
+        <p:style>
+          <a:lnRef idx="3">
+            <a:schemeClr val="accent5"/>
+          </a:lnRef>
+          <a:fillRef idx="0">
+            <a:schemeClr val="accent5"/>
+          </a:fillRef>
+          <a:effectRef idx="2">
+            <a:schemeClr val="accent5"/>
+          </a:effectRef>
+          <a:fontRef idx="minor">
+            <a:schemeClr val="tx1"/>
+          </a:fontRef>
+        </p:style>
+      </p:cxnSp>
+      <p:cxnSp>
+        <p:nvCxnSpPr>
+          <p:cNvPr id="17" name="Straight Arrow Connector 16"/>
+          <p:cNvCxnSpPr>
+            <a:stCxn id="4" idx="2"/>
+            <a:endCxn id="6" idx="0"/>
+          </p:cNvCxnSpPr>
+          <p:nvPr/>
+        </p:nvCxnSpPr>
+        <p:spPr>
+          <a:xfrm>
+            <a:off x="4494217" y="6420555"/>
+            <a:ext cx="0" cy="984365"/>
+          </a:xfrm>
+          <a:prstGeom prst="straightConnector1">
+            <a:avLst/>
+          </a:prstGeom>
+          <a:ln w="57150">
+            <a:headEnd type="none" w="med" len="med"/>
+            <a:tailEnd type="arrow" w="med" len="med"/>
+          </a:ln>
+        </p:spPr>
+        <p:style>
+          <a:lnRef idx="3">
+            <a:schemeClr val="accent5"/>
+          </a:lnRef>
+          <a:fillRef idx="0">
+            <a:schemeClr val="accent5"/>
+          </a:fillRef>
+          <a:effectRef idx="2">
+            <a:schemeClr val="accent5"/>
+          </a:effectRef>
+          <a:fontRef idx="minor">
+            <a:schemeClr val="tx1"/>
+          </a:fontRef>
+        </p:style>
+      </p:cxnSp>
+      <p:cxnSp>
+        <p:nvCxnSpPr>
+          <p:cNvPr id="19" name="Straight Arrow Connector 18"/>
+          <p:cNvCxnSpPr>
+            <a:stCxn id="6" idx="3"/>
+            <a:endCxn id="8" idx="5"/>
+          </p:cNvCxnSpPr>
+          <p:nvPr/>
+        </p:nvCxnSpPr>
+        <p:spPr>
+          <a:xfrm flipV="1">
+            <a:off x="7006046" y="8090719"/>
+            <a:ext cx="1435503" cy="1"/>
+          </a:xfrm>
+          <a:prstGeom prst="straightConnector1">
+            <a:avLst/>
+          </a:prstGeom>
+          <a:ln w="57150">
+            <a:headEnd type="none" w="med" len="med"/>
+            <a:tailEnd type="arrow" w="med" len="med"/>
+          </a:ln>
+        </p:spPr>
+        <p:style>
+          <a:lnRef idx="3">
+            <a:schemeClr val="accent5"/>
+          </a:lnRef>
+          <a:fillRef idx="0">
+            <a:schemeClr val="accent5"/>
+          </a:fillRef>
+          <a:effectRef idx="2">
+            <a:schemeClr val="accent5"/>
+          </a:effectRef>
+          <a:fontRef idx="minor">
+            <a:schemeClr val="tx1"/>
+          </a:fontRef>
+        </p:style>
+      </p:cxnSp>
+      <p:cxnSp>
+        <p:nvCxnSpPr>
+          <p:cNvPr id="21" name="Straight Arrow Connector 20"/>
+          <p:cNvCxnSpPr>
+            <a:stCxn id="8" idx="2"/>
+            <a:endCxn id="9" idx="1"/>
+          </p:cNvCxnSpPr>
+          <p:nvPr/>
+        </p:nvCxnSpPr>
+        <p:spPr>
+          <a:xfrm flipV="1">
+            <a:off x="12047542" y="8090717"/>
+            <a:ext cx="1569199" cy="2"/>
+          </a:xfrm>
+          <a:prstGeom prst="straightConnector1">
+            <a:avLst/>
+          </a:prstGeom>
+          <a:ln w="57150">
+            <a:headEnd type="none" w="med" len="med"/>
+            <a:tailEnd type="arrow" w="med" len="med"/>
+          </a:ln>
+        </p:spPr>
+        <p:style>
+          <a:lnRef idx="3">
+            <a:schemeClr val="accent5"/>
+          </a:lnRef>
+          <a:fillRef idx="0">
+            <a:schemeClr val="accent5"/>
+          </a:fillRef>
+          <a:effectRef idx="2">
+            <a:schemeClr val="accent5"/>
+          </a:effectRef>
+          <a:fontRef idx="minor">
+            <a:schemeClr val="tx1"/>
+          </a:fontRef>
+        </p:style>
+      </p:cxnSp>
+      <p:cxnSp>
+        <p:nvCxnSpPr>
+          <p:cNvPr id="24" name="Straight Arrow Connector 23"/>
+          <p:cNvCxnSpPr>
+            <a:stCxn id="9" idx="3"/>
+            <a:endCxn id="10" idx="5"/>
+          </p:cNvCxnSpPr>
+          <p:nvPr/>
+        </p:nvCxnSpPr>
+        <p:spPr>
+          <a:xfrm>
+            <a:off x="18640399" y="8090717"/>
+            <a:ext cx="1258859" cy="3"/>
+          </a:xfrm>
+          <a:prstGeom prst="straightConnector1">
+            <a:avLst/>
+          </a:prstGeom>
+          <a:ln w="57150">
+            <a:headEnd type="none" w="med" len="med"/>
+            <a:tailEnd type="arrow" w="med" len="med"/>
+          </a:ln>
+        </p:spPr>
+        <p:style>
+          <a:lnRef idx="3">
+            <a:schemeClr val="accent5"/>
+          </a:lnRef>
+          <a:fillRef idx="0">
+            <a:schemeClr val="accent5"/>
+          </a:fillRef>
+          <a:effectRef idx="2">
+            <a:schemeClr val="accent5"/>
+          </a:effectRef>
+          <a:fontRef idx="minor">
+            <a:schemeClr val="tx1"/>
+          </a:fontRef>
+        </p:style>
+      </p:cxnSp>
+      <p:cxnSp>
+        <p:nvCxnSpPr>
+          <p:cNvPr id="26" name="Straight Arrow Connector 25"/>
+          <p:cNvCxnSpPr>
+            <a:stCxn id="9" idx="0"/>
+            <a:endCxn id="11" idx="4"/>
+          </p:cNvCxnSpPr>
+          <p:nvPr/>
+        </p:nvCxnSpPr>
+        <p:spPr>
+          <a:xfrm flipV="1">
+            <a:off x="16128570" y="3766717"/>
+            <a:ext cx="0" cy="3131816"/>
+          </a:xfrm>
+          <a:prstGeom prst="straightConnector1">
+            <a:avLst/>
+          </a:prstGeom>
+          <a:ln w="57150">
+            <a:headEnd type="none" w="med" len="med"/>
+            <a:tailEnd type="arrow" w="med" len="med"/>
+          </a:ln>
+        </p:spPr>
+        <p:style>
+          <a:lnRef idx="3">
+            <a:schemeClr val="accent5"/>
+          </a:lnRef>
+          <a:fillRef idx="0">
+            <a:schemeClr val="accent5"/>
+          </a:fillRef>
+          <a:effectRef idx="2">
+            <a:schemeClr val="accent5"/>
+          </a:effectRef>
+          <a:fontRef idx="minor">
+            <a:schemeClr val="tx1"/>
+          </a:fontRef>
+        </p:style>
+      </p:cxnSp>
+      <p:cxnSp>
+        <p:nvCxnSpPr>
+          <p:cNvPr id="31" name="Straight Connector 30"/>
+          <p:cNvCxnSpPr/>
+          <p:nvPr/>
+        </p:nvCxnSpPr>
+        <p:spPr>
+          <a:xfrm>
+            <a:off x="23976478" y="2901500"/>
+            <a:ext cx="0" cy="7660871"/>
+          </a:xfrm>
+          <a:prstGeom prst="line">
+            <a:avLst/>
+          </a:prstGeom>
+          <a:ln w="57150"/>
+        </p:spPr>
+        <p:style>
+          <a:lnRef idx="3">
+            <a:schemeClr val="accent5"/>
+          </a:lnRef>
+          <a:fillRef idx="0">
+            <a:schemeClr val="accent5"/>
+          </a:fillRef>
+          <a:effectRef idx="2">
+            <a:schemeClr val="accent5"/>
+          </a:effectRef>
+          <a:fontRef idx="minor">
+            <a:schemeClr val="tx1"/>
+          </a:fontRef>
+        </p:style>
+      </p:cxnSp>
+      <p:cxnSp>
+        <p:nvCxnSpPr>
+          <p:cNvPr id="34" name="Straight Connector 33"/>
+          <p:cNvCxnSpPr/>
+          <p:nvPr/>
+        </p:nvCxnSpPr>
+        <p:spPr>
+          <a:xfrm>
+            <a:off x="18147870" y="2901500"/>
+            <a:ext cx="5828608" cy="0"/>
+          </a:xfrm>
+          <a:prstGeom prst="line">
+            <a:avLst/>
+          </a:prstGeom>
+          <a:ln w="57150"/>
+        </p:spPr>
+        <p:style>
+          <a:lnRef idx="3">
+            <a:schemeClr val="accent5"/>
+          </a:lnRef>
+          <a:fillRef idx="0">
+            <a:schemeClr val="accent5"/>
+          </a:fillRef>
+          <a:effectRef idx="2">
+            <a:schemeClr val="accent5"/>
+          </a:effectRef>
+          <a:fontRef idx="minor">
+            <a:schemeClr val="tx1"/>
+          </a:fontRef>
+        </p:style>
+      </p:cxnSp>
+      <p:cxnSp>
+        <p:nvCxnSpPr>
+          <p:cNvPr id="36" name="Straight Arrow Connector 35"/>
+          <p:cNvCxnSpPr>
+            <a:endCxn id="7" idx="2"/>
+          </p:cNvCxnSpPr>
+          <p:nvPr/>
+        </p:nvCxnSpPr>
+        <p:spPr>
+          <a:xfrm flipH="1">
+            <a:off x="6297213" y="10562371"/>
+            <a:ext cx="17679265" cy="92132"/>
+          </a:xfrm>
+          <a:prstGeom prst="straightConnector1">
+            <a:avLst/>
+          </a:prstGeom>
+          <a:ln w="57150" cap="flat" cmpd="sng" algn="ctr">
+            <a:solidFill>
+              <a:schemeClr val="accent3"/>
+            </a:solidFill>
+            <a:prstDash val="solid"/>
+            <a:round/>
+            <a:headEnd type="none" w="med" len="med"/>
+            <a:tailEnd type="arrow" w="med" len="med"/>
+          </a:ln>
+        </p:spPr>
+        <p:style>
+          <a:lnRef idx="0">
+            <a:scrgbClr r="0" g="0" b="0"/>
+          </a:lnRef>
+          <a:fillRef idx="0">
+            <a:scrgbClr r="0" g="0" b="0"/>
+          </a:fillRef>
+          <a:effectRef idx="0">
+            <a:scrgbClr r="0" g="0" b="0"/>
+          </a:effectRef>
+          <a:fontRef idx="minor">
+            <a:schemeClr val="tx1"/>
+          </a:fontRef>
+        </p:style>
+      </p:cxnSp>
+      <p:sp>
+        <p:nvSpPr>
+          <p:cNvPr id="37" name="TextBox 36"/>
+          <p:cNvSpPr txBox="1"/>
+          <p:nvPr/>
+        </p:nvSpPr>
+        <p:spPr>
+          <a:xfrm>
+            <a:off x="7220345" y="7424654"/>
+            <a:ext cx="790601" cy="646331"/>
+          </a:xfrm>
+          <a:prstGeom prst="rect">
+            <a:avLst/>
+          </a:prstGeom>
+          <a:noFill/>
+        </p:spPr>
+        <p:txBody>
+          <a:bodyPr wrap="none" rtlCol="0">
+            <a:spAutoFit/>
+          </a:bodyPr>
+          <a:lstStyle/>
+          <a:p>
+            <a:r>
+              <a:rPr lang="en-US" dirty="0" smtClean="0"/>
+              <a:t>No</a:t>
+            </a:r>
+            <a:endParaRPr lang="en-US" dirty="0"/>
+          </a:p>
+        </p:txBody>
+      </p:sp>
+      <p:sp>
+        <p:nvSpPr>
+          <p:cNvPr id="38" name="TextBox 37"/>
+          <p:cNvSpPr txBox="1"/>
+          <p:nvPr/>
+        </p:nvSpPr>
+        <p:spPr>
+          <a:xfrm>
+            <a:off x="18764891" y="7424653"/>
+            <a:ext cx="790601" cy="646331"/>
+          </a:xfrm>
+          <a:prstGeom prst="rect">
+            <a:avLst/>
+          </a:prstGeom>
+          <a:noFill/>
+        </p:spPr>
+        <p:txBody>
+          <a:bodyPr wrap="square" rtlCol="0">
+            <a:spAutoFit/>
+          </a:bodyPr>
+          <a:lstStyle/>
+          <a:p>
+            <a:r>
+              <a:rPr lang="en-US" dirty="0" smtClean="0"/>
+              <a:t>No</a:t>
+            </a:r>
+            <a:endParaRPr lang="en-US" dirty="0"/>
+          </a:p>
+        </p:txBody>
+      </p:sp>
+      <p:cxnSp>
+        <p:nvCxnSpPr>
+          <p:cNvPr id="40" name="Straight Arrow Connector 39"/>
+          <p:cNvCxnSpPr>
+            <a:stCxn id="6" idx="2"/>
+          </p:cNvCxnSpPr>
+          <p:nvPr/>
+        </p:nvCxnSpPr>
+        <p:spPr>
+          <a:xfrm>
+            <a:off x="4494217" y="8776520"/>
+            <a:ext cx="0" cy="1012766"/>
+          </a:xfrm>
+          <a:prstGeom prst="straightConnector1">
+            <a:avLst/>
+          </a:prstGeom>
+          <a:ln w="57150" cap="flat" cmpd="sng" algn="ctr">
+            <a:solidFill>
+              <a:schemeClr val="accent3"/>
+            </a:solidFill>
+            <a:prstDash val="solid"/>
+            <a:round/>
+            <a:headEnd type="none" w="med" len="med"/>
+            <a:tailEnd type="arrow" w="med" len="med"/>
+          </a:ln>
+        </p:spPr>
+        <p:style>
+          <a:lnRef idx="0">
+            <a:scrgbClr r="0" g="0" b="0"/>
+          </a:lnRef>
+          <a:fillRef idx="0">
+            <a:scrgbClr r="0" g="0" b="0"/>
+          </a:fillRef>
+          <a:effectRef idx="0">
+            <a:scrgbClr r="0" g="0" b="0"/>
+          </a:effectRef>
+          <a:fontRef idx="minor">
+            <a:schemeClr val="tx1"/>
+          </a:fontRef>
+        </p:style>
+      </p:cxnSp>
+      <p:sp>
+        <p:nvSpPr>
+          <p:cNvPr id="41" name="TextBox 40"/>
+          <p:cNvSpPr txBox="1"/>
+          <p:nvPr/>
+        </p:nvSpPr>
+        <p:spPr>
+          <a:xfrm>
+            <a:off x="16347619" y="5125819"/>
+            <a:ext cx="894797" cy="646331"/>
+          </a:xfrm>
+          <a:prstGeom prst="rect">
+            <a:avLst/>
+          </a:prstGeom>
+          <a:noFill/>
+        </p:spPr>
+        <p:txBody>
+          <a:bodyPr wrap="none" rtlCol="0">
+            <a:spAutoFit/>
+          </a:bodyPr>
+          <a:lstStyle/>
+          <a:p>
+            <a:r>
+              <a:rPr lang="en-US" dirty="0" smtClean="0"/>
+              <a:t>Yes</a:t>
+            </a:r>
+            <a:endParaRPr lang="en-US" dirty="0"/>
+          </a:p>
+        </p:txBody>
+      </p:sp>
+    </p:spTree>
+    <p:extLst>
+      <p:ext uri="{BB962C8B-B14F-4D97-AF65-F5344CB8AC3E}">
+        <p14:creationId xmlns:p14="http://schemas.microsoft.com/office/powerpoint/2010/main" val="4032675238"/>
+      </p:ext>
+    </p:extLst>
+  </p:cSld>
+  <p:clrMapOvr>
+    <a:masterClrMapping/>
+  </p:clrMapOvr>
+  <mc:AlternateContent xmlns:mc="http://schemas.openxmlformats.org/markup-compatibility/2006">
+    <mc:Choice xmlns:p14="http://schemas.microsoft.com/office/powerpoint/2010/main" Requires="p14">
+      <p:transition p14:dur="10"/>
+    </mc:Choice>
+    <mc:Fallback>
+      <p:transition/>
+    </mc:Fallback>
+  </mc:AlternateContent>
+</p:sld>
+</file>
+
 <file path=ppt/slides/slide2.xml><?xml version="1.0" encoding="utf-8"?>
 <p:sld xmlns:a="http://schemas.openxmlformats.org/drawingml/2006/main" xmlns:r="http://schemas.openxmlformats.org/officeDocument/2006/relationships" xmlns:p="http://schemas.openxmlformats.org/presentationml/2006/main">
   <p:cSld>
@@ -11435,11 +12322,6 @@
               </a:rPr>
               <a:t>Compass Sensor</a:t>
             </a:r>
-            <a:endParaRPr lang="en-US" sz="2800" dirty="0" smtClean="0">
-              <a:solidFill>
-                <a:schemeClr val="bg1"/>
-              </a:solidFill>
-            </a:endParaRPr>
           </a:p>
         </p:txBody>
       </p:sp>

--- a/Common/Reports/Report.pptx
+++ b/Common/Reports/Report.pptx
@@ -12,13 +12,13 @@
     <p:sldId id="877" r:id="rId3"/>
     <p:sldId id="878" r:id="rId4"/>
     <p:sldId id="962" r:id="rId5"/>
-    <p:sldId id="965" r:id="rId6"/>
-    <p:sldId id="966" r:id="rId7"/>
-    <p:sldId id="967" r:id="rId8"/>
-    <p:sldId id="968" r:id="rId9"/>
-    <p:sldId id="969" r:id="rId10"/>
-    <p:sldId id="970" r:id="rId11"/>
-    <p:sldId id="971" r:id="rId12"/>
+    <p:sldId id="966" r:id="rId6"/>
+    <p:sldId id="967" r:id="rId7"/>
+    <p:sldId id="968" r:id="rId8"/>
+    <p:sldId id="969" r:id="rId9"/>
+    <p:sldId id="970" r:id="rId10"/>
+    <p:sldId id="971" r:id="rId11"/>
+    <p:sldId id="979" r:id="rId12"/>
     <p:sldId id="972" r:id="rId13"/>
     <p:sldId id="974" r:id="rId14"/>
     <p:sldId id="973" r:id="rId15"/>
@@ -2824,138 +2824,6 @@
                   <a:schemeClr val="accent1"/>
                 </a:solidFill>
               </a:rPr>
-              <a:t>Administrator Use Case</a:t>
-            </a:r>
-            <a:endParaRPr lang="en-US" sz="5400" b="1" dirty="0">
-              <a:solidFill>
-                <a:schemeClr val="accent1"/>
-              </a:solidFill>
-            </a:endParaRPr>
-          </a:p>
-        </p:txBody>
-      </p:sp>
-      <p:pic>
-        <p:nvPicPr>
-          <p:cNvPr id="2" name="Picture 1"/>
-          <p:cNvPicPr>
-            <a:picLocks noChangeAspect="1"/>
-          </p:cNvPicPr>
-          <p:nvPr/>
-        </p:nvPicPr>
-        <p:blipFill>
-          <a:blip r:embed="rId2">
-            <a:extLst>
-              <a:ext uri="{28A0092B-C50C-407E-A947-70E740481C1C}">
-                <a14:useLocalDpi xmlns:a14="http://schemas.microsoft.com/office/drawing/2010/main" val="0"/>
-              </a:ext>
-            </a:extLst>
-          </a:blip>
-          <a:stretch>
-            <a:fillRect/>
-          </a:stretch>
-        </p:blipFill>
-        <p:spPr>
-          <a:xfrm>
-            <a:off x="7365278" y="4570268"/>
-            <a:ext cx="11439737" cy="6263986"/>
-          </a:xfrm>
-          <a:prstGeom prst="rect">
-            <a:avLst/>
-          </a:prstGeom>
-        </p:spPr>
-      </p:pic>
-    </p:spTree>
-    <p:extLst>
-      <p:ext uri="{BB962C8B-B14F-4D97-AF65-F5344CB8AC3E}">
-        <p14:creationId xmlns:p14="http://schemas.microsoft.com/office/powerpoint/2010/main" val="2001526142"/>
-      </p:ext>
-    </p:extLst>
-  </p:cSld>
-  <p:clrMapOvr>
-    <a:masterClrMapping/>
-  </p:clrMapOvr>
-  <mc:AlternateContent xmlns:mc="http://schemas.openxmlformats.org/markup-compatibility/2006" xmlns:p14="http://schemas.microsoft.com/office/powerpoint/2010/main">
-    <mc:Choice Requires="p14">
-      <p:transition p14:dur="0"/>
-    </mc:Choice>
-    <mc:Fallback xmlns="">
-      <p:transition xmlns:p14="http://schemas.microsoft.com/office/powerpoint/2010/main"/>
-    </mc:Fallback>
-  </mc:AlternateContent>
-  <p:timing>
-    <p:tnLst>
-      <p:par>
-        <p:cTn id="1" dur="indefinite" restart="never" nodeType="tmRoot"/>
-      </p:par>
-    </p:tnLst>
-  </p:timing>
-</p:sld>
-</file>
-
-<file path=ppt/slides/slide11.xml><?xml version="1.0" encoding="utf-8"?>
-<p:sld xmlns:a="http://schemas.openxmlformats.org/drawingml/2006/main" xmlns:r="http://schemas.openxmlformats.org/officeDocument/2006/relationships" xmlns:p="http://schemas.openxmlformats.org/presentationml/2006/main">
-  <p:cSld>
-    <p:spTree>
-      <p:nvGrpSpPr>
-        <p:cNvPr id="1" name=""/>
-        <p:cNvGrpSpPr/>
-        <p:nvPr/>
-      </p:nvGrpSpPr>
-      <p:grpSpPr>
-        <a:xfrm>
-          <a:off x="0" y="0"/>
-          <a:ext cx="0" cy="0"/>
-          <a:chOff x="0" y="0"/>
-          <a:chExt cx="0" cy="0"/>
-        </a:xfrm>
-      </p:grpSpPr>
-      <p:sp>
-        <p:nvSpPr>
-          <p:cNvPr id="3" name="Rectangle 2"/>
-          <p:cNvSpPr/>
-          <p:nvPr/>
-        </p:nvSpPr>
-        <p:spPr>
-          <a:xfrm>
-            <a:off x="522515" y="756103"/>
-            <a:ext cx="16378428" cy="1077176"/>
-          </a:xfrm>
-          <a:prstGeom prst="rect">
-            <a:avLst/>
-          </a:prstGeom>
-          <a:noFill/>
-          <a:ln w="6350" cmpd="sng">
-            <a:noFill/>
-          </a:ln>
-          <a:effectLst/>
-        </p:spPr>
-        <p:style>
-          <a:lnRef idx="1">
-            <a:schemeClr val="accent1"/>
-          </a:lnRef>
-          <a:fillRef idx="3">
-            <a:schemeClr val="accent1"/>
-          </a:fillRef>
-          <a:effectRef idx="2">
-            <a:schemeClr val="accent1"/>
-          </a:effectRef>
-          <a:fontRef idx="minor">
-            <a:schemeClr val="lt1"/>
-          </a:fontRef>
-        </p:style>
-        <p:txBody>
-          <a:bodyPr wrap="square" lIns="243797" tIns="121899" rIns="243797" bIns="121899" rtlCol="0" anchor="ctr">
-            <a:spAutoFit/>
-          </a:bodyPr>
-          <a:lstStyle/>
-          <a:p>
-            <a:pPr lvl="2" algn="just"/>
-            <a:r>
-              <a:rPr lang="en-US" sz="5400" b="1" dirty="0" smtClean="0">
-                <a:solidFill>
-                  <a:schemeClr val="accent1"/>
-                </a:solidFill>
-              </a:rPr>
               <a:t>End User Use Case</a:t>
             </a:r>
             <a:endParaRPr lang="en-US" sz="5400" b="1" dirty="0">
@@ -3000,6 +2868,51 @@
     <p:extLst>
       <p:ext uri="{BB962C8B-B14F-4D97-AF65-F5344CB8AC3E}">
         <p14:creationId xmlns:p14="http://schemas.microsoft.com/office/powerpoint/2010/main" val="682244342"/>
+      </p:ext>
+    </p:extLst>
+  </p:cSld>
+  <p:clrMapOvr>
+    <a:masterClrMapping/>
+  </p:clrMapOvr>
+  <mc:AlternateContent xmlns:mc="http://schemas.openxmlformats.org/markup-compatibility/2006" xmlns:p14="http://schemas.microsoft.com/office/powerpoint/2010/main">
+    <mc:Choice Requires="p14">
+      <p:transition p14:dur="0"/>
+    </mc:Choice>
+    <mc:Fallback xmlns="">
+      <p:transition xmlns:p14="http://schemas.microsoft.com/office/powerpoint/2010/main"/>
+    </mc:Fallback>
+  </mc:AlternateContent>
+  <p:timing>
+    <p:tnLst>
+      <p:par>
+        <p:cTn id="1" dur="indefinite" restart="never" nodeType="tmRoot"/>
+      </p:par>
+    </p:tnLst>
+  </p:timing>
+</p:sld>
+</file>
+
+<file path=ppt/slides/slide11.xml><?xml version="1.0" encoding="utf-8"?>
+<p:sld xmlns:a="http://schemas.openxmlformats.org/drawingml/2006/main" xmlns:r="http://schemas.openxmlformats.org/officeDocument/2006/relationships" xmlns:p="http://schemas.openxmlformats.org/presentationml/2006/main">
+  <p:cSld>
+    <p:spTree>
+      <p:nvGrpSpPr>
+        <p:cNvPr id="1" name=""/>
+        <p:cNvGrpSpPr/>
+        <p:nvPr/>
+      </p:nvGrpSpPr>
+      <p:grpSpPr>
+        <a:xfrm>
+          <a:off x="0" y="0"/>
+          <a:ext cx="0" cy="0"/>
+          <a:chOff x="0" y="0"/>
+          <a:chExt cx="0" cy="0"/>
+        </a:xfrm>
+      </p:grpSpPr>
+    </p:spTree>
+    <p:extLst>
+      <p:ext uri="{BB962C8B-B14F-4D97-AF65-F5344CB8AC3E}">
+        <p14:creationId xmlns:p14="http://schemas.microsoft.com/office/powerpoint/2010/main" val="2721311340"/>
       </p:ext>
     </p:extLst>
   </p:cSld>
@@ -4047,11 +3960,11 @@
   <p:clrMapOvr>
     <a:masterClrMapping/>
   </p:clrMapOvr>
-  <mc:AlternateContent xmlns:mc="http://schemas.openxmlformats.org/markup-compatibility/2006">
-    <mc:Choice xmlns:p14="http://schemas.microsoft.com/office/powerpoint/2010/main" Requires="p14">
+  <mc:AlternateContent xmlns:mc="http://schemas.openxmlformats.org/markup-compatibility/2006" xmlns:p14="http://schemas.microsoft.com/office/powerpoint/2010/main">
+    <mc:Choice Requires="p14">
       <p:transition p14:dur="0"/>
     </mc:Choice>
-    <mc:Fallback>
+    <mc:Fallback xmlns="">
       <p:transition/>
     </mc:Fallback>
   </mc:AlternateContent>
@@ -5829,11 +5742,11 @@
   <p:clrMapOvr>
     <a:masterClrMapping/>
   </p:clrMapOvr>
-  <mc:AlternateContent xmlns:mc="http://schemas.openxmlformats.org/markup-compatibility/2006">
-    <mc:Choice xmlns:p14="http://schemas.microsoft.com/office/powerpoint/2010/main" Requires="p14">
+  <mc:AlternateContent xmlns:mc="http://schemas.openxmlformats.org/markup-compatibility/2006" xmlns:p14="http://schemas.microsoft.com/office/powerpoint/2010/main">
+    <mc:Choice Requires="p14">
       <p:transition p14:dur="10"/>
     </mc:Choice>
-    <mc:Fallback>
+    <mc:Fallback xmlns="">
       <p:transition/>
     </mc:Fallback>
   </mc:AlternateContent>
@@ -6940,7 +6853,6 @@
               <a:rPr lang="en-US" dirty="0"/>
               <a:t>, change RGB LED to red</a:t>
             </a:r>
-            <a:endParaRPr lang="en-US" dirty="0"/>
           </a:p>
         </p:txBody>
       </p:sp>
@@ -7902,11 +7814,11 @@
   <p:clrMapOvr>
     <a:masterClrMapping/>
   </p:clrMapOvr>
-  <mc:AlternateContent xmlns:mc="http://schemas.openxmlformats.org/markup-compatibility/2006">
-    <mc:Choice xmlns:p14="http://schemas.microsoft.com/office/powerpoint/2010/main" Requires="p14">
+  <mc:AlternateContent xmlns:mc="http://schemas.openxmlformats.org/markup-compatibility/2006" xmlns:p14="http://schemas.microsoft.com/office/powerpoint/2010/main">
+    <mc:Choice Requires="p14">
       <p:transition p14:dur="10"/>
     </mc:Choice>
-    <mc:Fallback>
+    <mc:Fallback xmlns="">
       <p:transition/>
     </mc:Fallback>
   </mc:AlternateContent>
@@ -9532,11 +9444,7 @@
             <a:pPr algn="ctr"/>
             <a:r>
               <a:rPr lang="en-US" dirty="0" smtClean="0"/>
-              <a:t>Setup </a:t>
-            </a:r>
-            <a:r>
-              <a:rPr lang="en-US" dirty="0" smtClean="0"/>
-              <a:t>nRF24L01</a:t>
+              <a:t>Setup nRF24L01</a:t>
             </a:r>
             <a:endParaRPr lang="en-US" dirty="0"/>
           </a:p>
@@ -13248,11 +13156,7 @@
             <a:pPr algn="ctr"/>
             <a:r>
               <a:rPr lang="en-US" dirty="0" smtClean="0"/>
-              <a:t>Send update information package</a:t>
-            </a:r>
-            <a:r>
-              <a:rPr lang="en-US" dirty="0" smtClean="0"/>
-              <a:t>, wait for ACK</a:t>
+              <a:t>Send update information package, wait for ACK</a:t>
             </a:r>
             <a:endParaRPr lang="en-US" dirty="0"/>
           </a:p>
@@ -24219,146 +24123,6 @@
           <a:chExt cx="0" cy="0"/>
         </a:xfrm>
       </p:grpSpPr>
-      <p:pic>
-        <p:nvPicPr>
-          <p:cNvPr id="3" name="Picture 2" descr="E:\Downloads\Block (1).png"/>
-          <p:cNvPicPr/>
-          <p:nvPr/>
-        </p:nvPicPr>
-        <p:blipFill>
-          <a:blip r:embed="rId2">
-            <a:extLst>
-              <a:ext uri="{28A0092B-C50C-407E-A947-70E740481C1C}">
-                <a14:useLocalDpi xmlns:a14="http://schemas.microsoft.com/office/drawing/2010/main" val="0"/>
-              </a:ext>
-            </a:extLst>
-          </a:blip>
-          <a:srcRect/>
-          <a:stretch>
-            <a:fillRect/>
-          </a:stretch>
-        </p:blipFill>
-        <p:spPr bwMode="auto">
-          <a:xfrm>
-            <a:off x="5695407" y="2351314"/>
-            <a:ext cx="14238514" cy="10110651"/>
-          </a:xfrm>
-          <a:prstGeom prst="rect">
-            <a:avLst/>
-          </a:prstGeom>
-          <a:noFill/>
-          <a:ln>
-            <a:noFill/>
-          </a:ln>
-        </p:spPr>
-      </p:pic>
-      <p:sp>
-        <p:nvSpPr>
-          <p:cNvPr id="5" name="Rectangle 4"/>
-          <p:cNvSpPr/>
-          <p:nvPr/>
-        </p:nvSpPr>
-        <p:spPr>
-          <a:xfrm>
-            <a:off x="522515" y="756102"/>
-            <a:ext cx="16378428" cy="1077176"/>
-          </a:xfrm>
-          <a:prstGeom prst="rect">
-            <a:avLst/>
-          </a:prstGeom>
-          <a:noFill/>
-          <a:ln w="6350" cmpd="sng">
-            <a:noFill/>
-          </a:ln>
-          <a:effectLst/>
-        </p:spPr>
-        <p:style>
-          <a:lnRef idx="1">
-            <a:schemeClr val="accent1"/>
-          </a:lnRef>
-          <a:fillRef idx="3">
-            <a:schemeClr val="accent1"/>
-          </a:fillRef>
-          <a:effectRef idx="2">
-            <a:schemeClr val="accent1"/>
-          </a:effectRef>
-          <a:fontRef idx="minor">
-            <a:schemeClr val="lt1"/>
-          </a:fontRef>
-        </p:style>
-        <p:txBody>
-          <a:bodyPr wrap="square" lIns="243797" tIns="121899" rIns="243797" bIns="121899" rtlCol="0" anchor="ctr">
-            <a:spAutoFit/>
-          </a:bodyPr>
-          <a:lstStyle/>
-          <a:p>
-            <a:pPr algn="just"/>
-            <a:r>
-              <a:rPr lang="en-US" sz="5400" dirty="0" smtClean="0">
-                <a:solidFill>
-                  <a:schemeClr val="accent2"/>
-                </a:solidFill>
-                <a:cs typeface="Lato Light"/>
-              </a:rPr>
-              <a:t>Boundaries </a:t>
-            </a:r>
-            <a:r>
-              <a:rPr lang="en-US" sz="5400" dirty="0">
-                <a:solidFill>
-                  <a:schemeClr val="accent2"/>
-                </a:solidFill>
-                <a:cs typeface="Lato Light"/>
-              </a:rPr>
-              <a:t>of the system</a:t>
-            </a:r>
-          </a:p>
-        </p:txBody>
-      </p:sp>
-    </p:spTree>
-    <p:extLst>
-      <p:ext uri="{BB962C8B-B14F-4D97-AF65-F5344CB8AC3E}">
-        <p14:creationId xmlns:p14="http://schemas.microsoft.com/office/powerpoint/2010/main" val="514820048"/>
-      </p:ext>
-    </p:extLst>
-  </p:cSld>
-  <p:clrMapOvr>
-    <a:masterClrMapping/>
-  </p:clrMapOvr>
-  <mc:AlternateContent xmlns:mc="http://schemas.openxmlformats.org/markup-compatibility/2006" xmlns:p14="http://schemas.microsoft.com/office/powerpoint/2010/main">
-    <mc:Choice Requires="p14">
-      <p:transition p14:dur="0"/>
-    </mc:Choice>
-    <mc:Fallback xmlns="">
-      <p:transition xmlns:p14="http://schemas.microsoft.com/office/powerpoint/2010/main"/>
-    </mc:Fallback>
-  </mc:AlternateContent>
-  <p:timing>
-    <p:tnLst>
-      <p:par>
-        <p:cTn id="1" dur="indefinite" restart="never" nodeType="tmRoot"/>
-      </p:par>
-    </p:tnLst>
-  </p:timing>
-</p:sld>
-</file>
-
-<file path=ppt/slides/slide6.xml><?xml version="1.0" encoding="utf-8"?>
-<p:sld xmlns:a="http://schemas.openxmlformats.org/drawingml/2006/main" xmlns:r="http://schemas.openxmlformats.org/officeDocument/2006/relationships" xmlns:p="http://schemas.openxmlformats.org/presentationml/2006/main">
-  <p:cSld>
-    <p:spTree>
-      <p:nvGrpSpPr>
-        <p:cNvPr id="1" name=""/>
-        <p:cNvGrpSpPr/>
-        <p:nvPr/>
-      </p:nvGrpSpPr>
-      <p:grpSpPr>
-        <a:xfrm>
-          <a:off x="0" y="0"/>
-          <a:ext cx="0" cy="0"/>
-          <a:chOff x="0" y="0"/>
-          <a:chExt cx="0" cy="0"/>
-        </a:xfrm>
-      </p:grpSpPr>
       <p:sp>
         <p:nvSpPr>
           <p:cNvPr id="3" name="Rectangle 2"/>
@@ -24479,7 +24243,7 @@
 </p:sld>
 </file>
 
-<file path=ppt/slides/slide7.xml><?xml version="1.0" encoding="utf-8"?>
+<file path=ppt/slides/slide6.xml><?xml version="1.0" encoding="utf-8"?>
 <p:sld xmlns:a="http://schemas.openxmlformats.org/drawingml/2006/main" xmlns:r="http://schemas.openxmlformats.org/officeDocument/2006/relationships" xmlns:p="http://schemas.openxmlformats.org/presentationml/2006/main">
   <p:cSld>
     <p:spTree>
@@ -24582,7 +24346,7 @@
 </p:sld>
 </file>
 
-<file path=ppt/slides/slide8.xml><?xml version="1.0" encoding="utf-8"?>
+<file path=ppt/slides/slide7.xml><?xml version="1.0" encoding="utf-8"?>
 <p:sld xmlns:a="http://schemas.openxmlformats.org/drawingml/2006/main" xmlns:r="http://schemas.openxmlformats.org/officeDocument/2006/relationships" xmlns:p="http://schemas.openxmlformats.org/presentationml/2006/main">
   <p:cSld>
     <p:spTree>
@@ -24714,7 +24478,7 @@
 </p:sld>
 </file>
 
-<file path=ppt/slides/slide9.xml><?xml version="1.0" encoding="utf-8"?>
+<file path=ppt/slides/slide8.xml><?xml version="1.0" encoding="utf-8"?>
 <p:sld xmlns:a="http://schemas.openxmlformats.org/drawingml/2006/main" xmlns:r="http://schemas.openxmlformats.org/officeDocument/2006/relationships" xmlns:p="http://schemas.openxmlformats.org/presentationml/2006/main">
   <p:cSld>
     <p:spTree>
@@ -24822,6 +24586,138 @@
     <p:extLst>
       <p:ext uri="{BB962C8B-B14F-4D97-AF65-F5344CB8AC3E}">
         <p14:creationId xmlns:p14="http://schemas.microsoft.com/office/powerpoint/2010/main" val="1674382470"/>
+      </p:ext>
+    </p:extLst>
+  </p:cSld>
+  <p:clrMapOvr>
+    <a:masterClrMapping/>
+  </p:clrMapOvr>
+  <mc:AlternateContent xmlns:mc="http://schemas.openxmlformats.org/markup-compatibility/2006" xmlns:p14="http://schemas.microsoft.com/office/powerpoint/2010/main">
+    <mc:Choice Requires="p14">
+      <p:transition p14:dur="0"/>
+    </mc:Choice>
+    <mc:Fallback xmlns="">
+      <p:transition xmlns:p14="http://schemas.microsoft.com/office/powerpoint/2010/main"/>
+    </mc:Fallback>
+  </mc:AlternateContent>
+  <p:timing>
+    <p:tnLst>
+      <p:par>
+        <p:cTn id="1" dur="indefinite" restart="never" nodeType="tmRoot"/>
+      </p:par>
+    </p:tnLst>
+  </p:timing>
+</p:sld>
+</file>
+
+<file path=ppt/slides/slide9.xml><?xml version="1.0" encoding="utf-8"?>
+<p:sld xmlns:a="http://schemas.openxmlformats.org/drawingml/2006/main" xmlns:r="http://schemas.openxmlformats.org/officeDocument/2006/relationships" xmlns:p="http://schemas.openxmlformats.org/presentationml/2006/main">
+  <p:cSld>
+    <p:spTree>
+      <p:nvGrpSpPr>
+        <p:cNvPr id="1" name=""/>
+        <p:cNvGrpSpPr/>
+        <p:nvPr/>
+      </p:nvGrpSpPr>
+      <p:grpSpPr>
+        <a:xfrm>
+          <a:off x="0" y="0"/>
+          <a:ext cx="0" cy="0"/>
+          <a:chOff x="0" y="0"/>
+          <a:chExt cx="0" cy="0"/>
+        </a:xfrm>
+      </p:grpSpPr>
+      <p:sp>
+        <p:nvSpPr>
+          <p:cNvPr id="3" name="Rectangle 2"/>
+          <p:cNvSpPr/>
+          <p:nvPr/>
+        </p:nvSpPr>
+        <p:spPr>
+          <a:xfrm>
+            <a:off x="522515" y="756103"/>
+            <a:ext cx="16378428" cy="1077176"/>
+          </a:xfrm>
+          <a:prstGeom prst="rect">
+            <a:avLst/>
+          </a:prstGeom>
+          <a:noFill/>
+          <a:ln w="6350" cmpd="sng">
+            <a:noFill/>
+          </a:ln>
+          <a:effectLst/>
+        </p:spPr>
+        <p:style>
+          <a:lnRef idx="1">
+            <a:schemeClr val="accent1"/>
+          </a:lnRef>
+          <a:fillRef idx="3">
+            <a:schemeClr val="accent1"/>
+          </a:fillRef>
+          <a:effectRef idx="2">
+            <a:schemeClr val="accent1"/>
+          </a:effectRef>
+          <a:fontRef idx="minor">
+            <a:schemeClr val="lt1"/>
+          </a:fontRef>
+        </p:style>
+        <p:txBody>
+          <a:bodyPr wrap="square" lIns="243797" tIns="121899" rIns="243797" bIns="121899" rtlCol="0" anchor="ctr">
+            <a:spAutoFit/>
+          </a:bodyPr>
+          <a:lstStyle/>
+          <a:p>
+            <a:pPr lvl="2" algn="just"/>
+            <a:r>
+              <a:rPr lang="en-US" sz="5400" b="1" dirty="0" smtClean="0">
+                <a:solidFill>
+                  <a:schemeClr val="accent1"/>
+                </a:solidFill>
+              </a:rPr>
+              <a:t>Administrator Use Case</a:t>
+            </a:r>
+            <a:endParaRPr lang="en-US" sz="5400" b="1" dirty="0">
+              <a:solidFill>
+                <a:schemeClr val="accent1"/>
+              </a:solidFill>
+            </a:endParaRPr>
+          </a:p>
+        </p:txBody>
+      </p:sp>
+      <p:pic>
+        <p:nvPicPr>
+          <p:cNvPr id="2" name="Picture 1"/>
+          <p:cNvPicPr>
+            <a:picLocks noChangeAspect="1"/>
+          </p:cNvPicPr>
+          <p:nvPr/>
+        </p:nvPicPr>
+        <p:blipFill>
+          <a:blip r:embed="rId2">
+            <a:extLst>
+              <a:ext uri="{28A0092B-C50C-407E-A947-70E740481C1C}">
+                <a14:useLocalDpi xmlns:a14="http://schemas.microsoft.com/office/drawing/2010/main" val="0"/>
+              </a:ext>
+            </a:extLst>
+          </a:blip>
+          <a:stretch>
+            <a:fillRect/>
+          </a:stretch>
+        </p:blipFill>
+        <p:spPr>
+          <a:xfrm>
+            <a:off x="7365278" y="4570268"/>
+            <a:ext cx="11439737" cy="6263986"/>
+          </a:xfrm>
+          <a:prstGeom prst="rect">
+            <a:avLst/>
+          </a:prstGeom>
+        </p:spPr>
+      </p:pic>
+    </p:spTree>
+    <p:extLst>
+      <p:ext uri="{BB962C8B-B14F-4D97-AF65-F5344CB8AC3E}">
+        <p14:creationId xmlns:p14="http://schemas.microsoft.com/office/powerpoint/2010/main" val="2001526142"/>
       </p:ext>
     </p:extLst>
   </p:cSld>
